--- a/Impulsvortrag.pptx
+++ b/Impulsvortrag.pptx
@@ -207,7 +207,7 @@
           <a:p>
             <a:fld id="{88C12D34-F610-45FB-BF78-840AF511F7F8}" type="datetimeFigureOut">
               <a:rPr lang="de-DE" smtClean="0"/>
-              <a:t>13.04.2016</a:t>
+              <a:t>17.04.2016</a:t>
             </a:fld>
             <a:endParaRPr lang="de-DE"/>
           </a:p>
@@ -539,7 +539,23 @@
           <a:p>
             <a:r>
               <a:rPr lang="de-DE" dirty="0" smtClean="0"/>
-              <a:t>Überlappend ist mit anderen Bereichen und undeutlich</a:t>
+              <a:t>Überlappend ist mit anderen Bereichen </a:t>
+            </a:r>
+            <a:r>
+              <a:rPr lang="de-DE" dirty="0" smtClean="0"/>
+              <a:t>(CSCW)</a:t>
+            </a:r>
+            <a:r>
+              <a:rPr lang="de-DE" baseline="0" dirty="0" smtClean="0"/>
+              <a:t> </a:t>
+            </a:r>
+            <a:r>
+              <a:rPr lang="de-DE" dirty="0" smtClean="0"/>
+              <a:t>und </a:t>
+            </a:r>
+            <a:r>
+              <a:rPr lang="de-DE" dirty="0" smtClean="0"/>
+              <a:t>undeutlich</a:t>
             </a:r>
             <a:r>
               <a:rPr lang="de-DE" baseline="0" dirty="0" smtClean="0"/>
@@ -560,8 +576,17 @@
             </a:r>
             <a:r>
               <a:rPr lang="de-DE" baseline="0" dirty="0" smtClean="0"/>
-              <a:t> design</a:t>
-            </a:r>
+              <a:t> </a:t>
+            </a:r>
+            <a:r>
+              <a:rPr lang="de-DE" baseline="0" dirty="0" smtClean="0"/>
+              <a:t>design</a:t>
+            </a:r>
+          </a:p>
+          <a:p>
+            <a:endParaRPr lang="de-DE" baseline="0" dirty="0" smtClean="0"/>
+          </a:p>
+          <a:p>
             <a:endParaRPr lang="de-DE" dirty="0"/>
           </a:p>
         </p:txBody>
@@ -708,7 +733,11 @@
           <a:p>
             <a:r>
               <a:rPr lang="de-DE" baseline="0" dirty="0" smtClean="0"/>
-              <a:t>Problem wie man Wissen von einem Teilbereich in den anderen bekommt</a:t>
+              <a:t>Herausforderung wie </a:t>
+            </a:r>
+            <a:r>
+              <a:rPr lang="de-DE" baseline="0" dirty="0" smtClean="0"/>
+              <a:t>man Wissen von einem Teilbereich in den anderen bekommt</a:t>
             </a:r>
             <a:endParaRPr lang="de-DE" dirty="0"/>
           </a:p>
@@ -2312,7 +2341,7 @@
           <a:p>
             <a:fld id="{E15A8540-E322-4953-BC17-CFB8C8B54520}" type="datetimeFigureOut">
               <a:rPr lang="de-DE" smtClean="0"/>
-              <a:t>13.04.2016</a:t>
+              <a:t>17.04.2016</a:t>
             </a:fld>
             <a:endParaRPr lang="de-DE"/>
           </a:p>
@@ -2482,7 +2511,7 @@
           <a:p>
             <a:fld id="{E15A8540-E322-4953-BC17-CFB8C8B54520}" type="datetimeFigureOut">
               <a:rPr lang="de-DE" smtClean="0"/>
-              <a:t>13.04.2016</a:t>
+              <a:t>17.04.2016</a:t>
             </a:fld>
             <a:endParaRPr lang="de-DE"/>
           </a:p>
@@ -2662,7 +2691,7 @@
           <a:p>
             <a:fld id="{E15A8540-E322-4953-BC17-CFB8C8B54520}" type="datetimeFigureOut">
               <a:rPr lang="de-DE" smtClean="0"/>
-              <a:t>13.04.2016</a:t>
+              <a:t>17.04.2016</a:t>
             </a:fld>
             <a:endParaRPr lang="de-DE"/>
           </a:p>
@@ -2832,7 +2861,7 @@
           <a:p>
             <a:fld id="{E15A8540-E322-4953-BC17-CFB8C8B54520}" type="datetimeFigureOut">
               <a:rPr lang="de-DE" smtClean="0"/>
-              <a:t>13.04.2016</a:t>
+              <a:t>17.04.2016</a:t>
             </a:fld>
             <a:endParaRPr lang="de-DE"/>
           </a:p>
@@ -3078,7 +3107,7 @@
           <a:p>
             <a:fld id="{E15A8540-E322-4953-BC17-CFB8C8B54520}" type="datetimeFigureOut">
               <a:rPr lang="de-DE" smtClean="0"/>
-              <a:t>13.04.2016</a:t>
+              <a:t>17.04.2016</a:t>
             </a:fld>
             <a:endParaRPr lang="de-DE"/>
           </a:p>
@@ -3310,7 +3339,7 @@
           <a:p>
             <a:fld id="{E15A8540-E322-4953-BC17-CFB8C8B54520}" type="datetimeFigureOut">
               <a:rPr lang="de-DE" smtClean="0"/>
-              <a:t>13.04.2016</a:t>
+              <a:t>17.04.2016</a:t>
             </a:fld>
             <a:endParaRPr lang="de-DE"/>
           </a:p>
@@ -3677,7 +3706,7 @@
           <a:p>
             <a:fld id="{E15A8540-E322-4953-BC17-CFB8C8B54520}" type="datetimeFigureOut">
               <a:rPr lang="de-DE" smtClean="0"/>
-              <a:t>13.04.2016</a:t>
+              <a:t>17.04.2016</a:t>
             </a:fld>
             <a:endParaRPr lang="de-DE"/>
           </a:p>
@@ -3795,7 +3824,7 @@
           <a:p>
             <a:fld id="{E15A8540-E322-4953-BC17-CFB8C8B54520}" type="datetimeFigureOut">
               <a:rPr lang="de-DE" smtClean="0"/>
-              <a:t>13.04.2016</a:t>
+              <a:t>17.04.2016</a:t>
             </a:fld>
             <a:endParaRPr lang="de-DE"/>
           </a:p>
@@ -3890,7 +3919,7 @@
           <a:p>
             <a:fld id="{E15A8540-E322-4953-BC17-CFB8C8B54520}" type="datetimeFigureOut">
               <a:rPr lang="de-DE" smtClean="0"/>
-              <a:t>13.04.2016</a:t>
+              <a:t>17.04.2016</a:t>
             </a:fld>
             <a:endParaRPr lang="de-DE"/>
           </a:p>
@@ -4167,7 +4196,7 @@
           <a:p>
             <a:fld id="{E15A8540-E322-4953-BC17-CFB8C8B54520}" type="datetimeFigureOut">
               <a:rPr lang="de-DE" smtClean="0"/>
-              <a:t>13.04.2016</a:t>
+              <a:t>17.04.2016</a:t>
             </a:fld>
             <a:endParaRPr lang="de-DE"/>
           </a:p>
@@ -4420,7 +4449,7 @@
           <a:p>
             <a:fld id="{E15A8540-E322-4953-BC17-CFB8C8B54520}" type="datetimeFigureOut">
               <a:rPr lang="de-DE" smtClean="0"/>
-              <a:t>13.04.2016</a:t>
+              <a:t>17.04.2016</a:t>
             </a:fld>
             <a:endParaRPr lang="de-DE"/>
           </a:p>
@@ -4633,7 +4662,7 @@
           <a:p>
             <a:fld id="{E15A8540-E322-4953-BC17-CFB8C8B54520}" type="datetimeFigureOut">
               <a:rPr lang="de-DE" smtClean="0"/>
-              <a:t>13.04.2016</a:t>
+              <a:t>17.04.2016</a:t>
             </a:fld>
             <a:endParaRPr lang="de-DE"/>
           </a:p>
@@ -12398,19 +12427,7 @@
                 <a:latin typeface="Cordia New" panose="020B0304020202020204" pitchFamily="34" charset="-34"/>
                 <a:cs typeface="Cordia New" panose="020B0304020202020204" pitchFamily="34" charset="-34"/>
               </a:rPr>
-              <a:t> </a:t>
-            </a:r>
-            <a:r>
-              <a:rPr lang="de-DE" sz="4000" dirty="0" smtClean="0">
-                <a:solidFill>
-                  <a:schemeClr val="accent2">
-                    <a:lumMod val="75000"/>
-                  </a:schemeClr>
-                </a:solidFill>
-                <a:latin typeface="Cordia New" panose="020B0304020202020204" pitchFamily="34" charset="-34"/>
-                <a:cs typeface="Cordia New" panose="020B0304020202020204" pitchFamily="34" charset="-34"/>
-              </a:rPr>
-              <a:t>Society</a:t>
+              <a:t> Society</a:t>
             </a:r>
             <a:r>
               <a:rPr lang="de-DE" sz="4000" dirty="0" smtClean="0">
@@ -13241,20 +13258,7 @@
                 <a:latin typeface="Cordia New" panose="020B0304020202020204" pitchFamily="34" charset="-34"/>
                 <a:cs typeface="Cordia New" panose="020B0304020202020204" pitchFamily="34" charset="-34"/>
               </a:rPr>
-              <a:t> </a:t>
-            </a:r>
-            <a:r>
-              <a:rPr lang="de-DE" sz="3600" dirty="0" smtClean="0">
-                <a:solidFill>
-                  <a:schemeClr val="accent1">
-                    <a:lumMod val="20000"/>
-                    <a:lumOff val="80000"/>
-                  </a:schemeClr>
-                </a:solidFill>
-                <a:latin typeface="Cordia New" panose="020B0304020202020204" pitchFamily="34" charset="-34"/>
-                <a:cs typeface="Cordia New" panose="020B0304020202020204" pitchFamily="34" charset="-34"/>
-              </a:rPr>
-              <a:t>HCI</a:t>
+              <a:t> HCI</a:t>
             </a:r>
           </a:p>
           <a:p>
@@ -13772,19 +13776,7 @@
                 <a:latin typeface="Cordia New" panose="020B0304020202020204" pitchFamily="34" charset="-34"/>
                 <a:cs typeface="Cordia New" panose="020B0304020202020204" pitchFamily="34" charset="-34"/>
               </a:rPr>
-              <a:t> </a:t>
-            </a:r>
-            <a:r>
-              <a:rPr lang="de-DE" sz="3600" dirty="0" smtClean="0">
-                <a:solidFill>
-                  <a:schemeClr val="tx2">
-                    <a:lumMod val="75000"/>
-                  </a:schemeClr>
-                </a:solidFill>
-                <a:latin typeface="Cordia New" panose="020B0304020202020204" pitchFamily="34" charset="-34"/>
-                <a:cs typeface="Cordia New" panose="020B0304020202020204" pitchFamily="34" charset="-34"/>
-              </a:rPr>
-              <a:t>HCI</a:t>
+              <a:t> HCI</a:t>
             </a:r>
           </a:p>
           <a:p>
@@ -14336,20 +14328,7 @@
                 <a:latin typeface="Cordia New" panose="020B0304020202020204" pitchFamily="34" charset="-34"/>
                 <a:cs typeface="Cordia New" panose="020B0304020202020204" pitchFamily="34" charset="-34"/>
               </a:rPr>
-              <a:t> </a:t>
-            </a:r>
-            <a:r>
-              <a:rPr lang="de-DE" sz="4000" dirty="0" smtClean="0">
-                <a:solidFill>
-                  <a:schemeClr val="accent1">
-                    <a:lumMod val="20000"/>
-                    <a:lumOff val="80000"/>
-                  </a:schemeClr>
-                </a:solidFill>
-                <a:latin typeface="Cordia New" panose="020B0304020202020204" pitchFamily="34" charset="-34"/>
-                <a:cs typeface="Cordia New" panose="020B0304020202020204" pitchFamily="34" charset="-34"/>
-              </a:rPr>
-              <a:t>Society</a:t>
+              <a:t> Society</a:t>
             </a:r>
             <a:br>
               <a:rPr lang="de-DE" sz="4000" dirty="0" smtClean="0">
@@ -15270,19 +15249,7 @@
                   <a:latin typeface="Cordia New" panose="020B0304020202020204" pitchFamily="34" charset="-34"/>
                   <a:cs typeface="Cordia New" panose="020B0304020202020204" pitchFamily="34" charset="-34"/>
                 </a:rPr>
-                <a:t> </a:t>
-              </a:r>
-              <a:r>
-                <a:rPr lang="de-DE" sz="3600" dirty="0" smtClean="0">
-                  <a:solidFill>
-                    <a:schemeClr val="tx2">
-                      <a:lumMod val="75000"/>
-                    </a:schemeClr>
-                  </a:solidFill>
-                  <a:latin typeface="Cordia New" panose="020B0304020202020204" pitchFamily="34" charset="-34"/>
-                  <a:cs typeface="Cordia New" panose="020B0304020202020204" pitchFamily="34" charset="-34"/>
-                </a:rPr>
-                <a:t>design</a:t>
+                <a:t> design</a:t>
               </a:r>
               <a:r>
                 <a:rPr lang="de-DE" sz="3600" dirty="0">
@@ -16259,20 +16226,7 @@
                 <a:latin typeface="Cordia New" panose="020B0304020202020204" pitchFamily="34" charset="-34"/>
                 <a:cs typeface="Cordia New" panose="020B0304020202020204" pitchFamily="34" charset="-34"/>
               </a:rPr>
-              <a:t> </a:t>
-            </a:r>
-            <a:r>
-              <a:rPr lang="de-DE" sz="3600" dirty="0" smtClean="0">
-                <a:solidFill>
-                  <a:schemeClr val="accent1">
-                    <a:lumMod val="20000"/>
-                    <a:lumOff val="80000"/>
-                  </a:schemeClr>
-                </a:solidFill>
-                <a:latin typeface="Cordia New" panose="020B0304020202020204" pitchFamily="34" charset="-34"/>
-                <a:cs typeface="Cordia New" panose="020B0304020202020204" pitchFamily="34" charset="-34"/>
-              </a:rPr>
-              <a:t>design</a:t>
+              <a:t> design</a:t>
             </a:r>
             <a:r>
               <a:rPr lang="de-DE" sz="3600" dirty="0">
